--- a/unnamed.pptx
+++ b/unnamed.pptx
@@ -3394,7 +3394,7 @@
         </p:blipFill>
         <p:spPr bwMode="auto">
           <a:xfrm>
-            <a:off x="14087" y="2039925"/>
+            <a:off x="64421" y="2039925"/>
             <a:ext cx="3059182" cy="1529591"/>
           </a:xfrm>
           <a:prstGeom prst="rect">
@@ -4036,6 +4036,14 @@
               <a:rPr lang="en-US" altLang="ko-KR" dirty="0"/>
               <a:t>?</a:t>
             </a:r>
+            <a:r>
+              <a:rPr lang="ko-KR" altLang="en-US" dirty="0"/>
+              <a:t>유니티</a:t>
+            </a:r>
+            <a:r>
+              <a:rPr lang="en-US" altLang="ko-KR" dirty="0"/>
+              <a:t>?</a:t>
+            </a:r>
             <a:endParaRPr lang="ko-KR" altLang="en-US" dirty="0"/>
           </a:p>
         </p:txBody>
@@ -4178,13 +4186,13 @@
           <p:nvPr/>
         </p:nvPicPr>
         <p:blipFill>
-          <a:blip r:embed="rId6">
+          <a:blip r:embed="rId10">
             <a:extLst>
               <a:ext uri="{28A0092B-C50C-407E-A947-70E740481C1C}">
                 <a14:useLocalDpi xmlns:a14="http://schemas.microsoft.com/office/drawing/2010/main" val="0"/>
               </a:ext>
               <a:ext uri="{96DAC541-7B7A-43D3-8B79-37D633B846F1}">
-                <asvg:svgBlip xmlns:asvg="http://schemas.microsoft.com/office/drawing/2016/SVG/main" r:embed="rId7"/>
+                <asvg:svgBlip xmlns:asvg="http://schemas.microsoft.com/office/drawing/2016/SVG/main" r:embed="rId11"/>
               </a:ext>
             </a:extLst>
           </a:blip>
@@ -4194,7 +4202,7 @@
         </p:blipFill>
         <p:spPr>
           <a:xfrm>
-            <a:off x="8558512" y="2727995"/>
+            <a:off x="8558512" y="2711217"/>
             <a:ext cx="914400" cy="914400"/>
           </a:xfrm>
           <a:prstGeom prst="rect">

--- a/unnamed.pptx
+++ b/unnamed.pptx
@@ -104,6 +104,11 @@
       </a:defRPr>
     </a:lvl9pPr>
   </p:defaultTextStyle>
+  <p:extLst>
+    <p:ext uri="{EFAFB233-063F-42B5-8137-9DF3F51BA10A}">
+      <p15:sldGuideLst xmlns:p15="http://schemas.microsoft.com/office/powerpoint/2012/main"/>
+    </p:ext>
+  </p:extLst>
 </p:presentation>
 </file>
 
@@ -254,7 +259,7 @@
           <a:p>
             <a:fld id="{F2EC5A03-E1BF-4CF3-BD3D-1870F3A69E1D}" type="datetimeFigureOut">
               <a:rPr lang="ko-KR" altLang="en-US" smtClean="0"/>
-              <a:t>2019-03-27</a:t>
+              <a:t>2019-03-30</a:t>
             </a:fld>
             <a:endParaRPr lang="ko-KR" altLang="en-US"/>
           </a:p>
@@ -452,7 +457,7 @@
           <a:p>
             <a:fld id="{F2EC5A03-E1BF-4CF3-BD3D-1870F3A69E1D}" type="datetimeFigureOut">
               <a:rPr lang="ko-KR" altLang="en-US" smtClean="0"/>
-              <a:t>2019-03-27</a:t>
+              <a:t>2019-03-30</a:t>
             </a:fld>
             <a:endParaRPr lang="ko-KR" altLang="en-US"/>
           </a:p>
@@ -660,7 +665,7 @@
           <a:p>
             <a:fld id="{F2EC5A03-E1BF-4CF3-BD3D-1870F3A69E1D}" type="datetimeFigureOut">
               <a:rPr lang="ko-KR" altLang="en-US" smtClean="0"/>
-              <a:t>2019-03-27</a:t>
+              <a:t>2019-03-30</a:t>
             </a:fld>
             <a:endParaRPr lang="ko-KR" altLang="en-US"/>
           </a:p>
@@ -858,7 +863,7 @@
           <a:p>
             <a:fld id="{F2EC5A03-E1BF-4CF3-BD3D-1870F3A69E1D}" type="datetimeFigureOut">
               <a:rPr lang="ko-KR" altLang="en-US" smtClean="0"/>
-              <a:t>2019-03-27</a:t>
+              <a:t>2019-03-30</a:t>
             </a:fld>
             <a:endParaRPr lang="ko-KR" altLang="en-US"/>
           </a:p>
@@ -1133,7 +1138,7 @@
           <a:p>
             <a:fld id="{F2EC5A03-E1BF-4CF3-BD3D-1870F3A69E1D}" type="datetimeFigureOut">
               <a:rPr lang="ko-KR" altLang="en-US" smtClean="0"/>
-              <a:t>2019-03-27</a:t>
+              <a:t>2019-03-30</a:t>
             </a:fld>
             <a:endParaRPr lang="ko-KR" altLang="en-US"/>
           </a:p>
@@ -1398,7 +1403,7 @@
           <a:p>
             <a:fld id="{F2EC5A03-E1BF-4CF3-BD3D-1870F3A69E1D}" type="datetimeFigureOut">
               <a:rPr lang="ko-KR" altLang="en-US" smtClean="0"/>
-              <a:t>2019-03-27</a:t>
+              <a:t>2019-03-30</a:t>
             </a:fld>
             <a:endParaRPr lang="ko-KR" altLang="en-US"/>
           </a:p>
@@ -1810,7 +1815,7 @@
           <a:p>
             <a:fld id="{F2EC5A03-E1BF-4CF3-BD3D-1870F3A69E1D}" type="datetimeFigureOut">
               <a:rPr lang="ko-KR" altLang="en-US" smtClean="0"/>
-              <a:t>2019-03-27</a:t>
+              <a:t>2019-03-30</a:t>
             </a:fld>
             <a:endParaRPr lang="ko-KR" altLang="en-US"/>
           </a:p>
@@ -1951,7 +1956,7 @@
           <a:p>
             <a:fld id="{F2EC5A03-E1BF-4CF3-BD3D-1870F3A69E1D}" type="datetimeFigureOut">
               <a:rPr lang="ko-KR" altLang="en-US" smtClean="0"/>
-              <a:t>2019-03-27</a:t>
+              <a:t>2019-03-30</a:t>
             </a:fld>
             <a:endParaRPr lang="ko-KR" altLang="en-US"/>
           </a:p>
@@ -2064,7 +2069,7 @@
           <a:p>
             <a:fld id="{F2EC5A03-E1BF-4CF3-BD3D-1870F3A69E1D}" type="datetimeFigureOut">
               <a:rPr lang="ko-KR" altLang="en-US" smtClean="0"/>
-              <a:t>2019-03-27</a:t>
+              <a:t>2019-03-30</a:t>
             </a:fld>
             <a:endParaRPr lang="ko-KR" altLang="en-US"/>
           </a:p>
@@ -2375,7 +2380,7 @@
           <a:p>
             <a:fld id="{F2EC5A03-E1BF-4CF3-BD3D-1870F3A69E1D}" type="datetimeFigureOut">
               <a:rPr lang="ko-KR" altLang="en-US" smtClean="0"/>
-              <a:t>2019-03-27</a:t>
+              <a:t>2019-03-30</a:t>
             </a:fld>
             <a:endParaRPr lang="ko-KR" altLang="en-US"/>
           </a:p>
@@ -2663,7 +2668,7 @@
           <a:p>
             <a:fld id="{F2EC5A03-E1BF-4CF3-BD3D-1870F3A69E1D}" type="datetimeFigureOut">
               <a:rPr lang="ko-KR" altLang="en-US" smtClean="0"/>
-              <a:t>2019-03-27</a:t>
+              <a:t>2019-03-30</a:t>
             </a:fld>
             <a:endParaRPr lang="ko-KR" altLang="en-US"/>
           </a:p>
@@ -2904,7 +2909,7 @@
           <a:p>
             <a:fld id="{F2EC5A03-E1BF-4CF3-BD3D-1870F3A69E1D}" type="datetimeFigureOut">
               <a:rPr lang="ko-KR" altLang="en-US" smtClean="0"/>
-              <a:t>2019-03-27</a:t>
+              <a:t>2019-03-30</a:t>
             </a:fld>
             <a:endParaRPr lang="ko-KR" altLang="en-US"/>
           </a:p>
@@ -3529,7 +3534,7 @@
                 <a14:useLocalDpi xmlns:a14="http://schemas.microsoft.com/office/drawing/2010/main" val="0"/>
               </a:ext>
               <a:ext uri="{96DAC541-7B7A-43D3-8B79-37D633B846F1}">
-                <asvg:svgBlip xmlns:asvg="http://schemas.microsoft.com/office/drawing/2016/SVG/main" r:embed="rId5"/>
+                <asvg:svgBlip xmlns:asvg="http://schemas.microsoft.com/office/drawing/2016/SVG/main" xmlns="" r:embed="rId5"/>
               </a:ext>
             </a:extLst>
           </a:blip>
@@ -3562,13 +3567,13 @@
           <p:nvPr/>
         </p:nvPicPr>
         <p:blipFill>
-          <a:blip r:embed="rId6">
+          <a:blip r:embed="rId6" cstate="hqprint">
             <a:extLst>
               <a:ext uri="{28A0092B-C50C-407E-A947-70E740481C1C}">
                 <a14:useLocalDpi xmlns:a14="http://schemas.microsoft.com/office/drawing/2010/main" val="0"/>
               </a:ext>
               <a:ext uri="{96DAC541-7B7A-43D3-8B79-37D633B846F1}">
-                <asvg:svgBlip xmlns:asvg="http://schemas.microsoft.com/office/drawing/2016/SVG/main" r:embed="rId7"/>
+                <asvg:svgBlip xmlns:asvg="http://schemas.microsoft.com/office/drawing/2016/SVG/main" xmlns="" r:embed="rId7"/>
               </a:ext>
             </a:extLst>
           </a:blip>
@@ -3661,7 +3666,7 @@
           <a:lstStyle/>
           <a:p>
             <a:r>
-              <a:rPr lang="ko-KR" altLang="en-US"/>
+              <a:rPr lang="ko-KR" altLang="en-US" dirty="0"/>
               <a:t>핸드폰으로 촬영한 사진에서 의상 추출</a:t>
             </a:r>
           </a:p>
@@ -3732,7 +3737,7 @@
                 <a14:useLocalDpi xmlns:a14="http://schemas.microsoft.com/office/drawing/2010/main" val="0"/>
               </a:ext>
               <a:ext uri="{96DAC541-7B7A-43D3-8B79-37D633B846F1}">
-                <asvg:svgBlip xmlns:asvg="http://schemas.microsoft.com/office/drawing/2016/SVG/main" r:embed="rId5"/>
+                <asvg:svgBlip xmlns:asvg="http://schemas.microsoft.com/office/drawing/2016/SVG/main" xmlns="" r:embed="rId5"/>
               </a:ext>
             </a:extLst>
           </a:blip>
@@ -3911,7 +3916,7 @@
           <p:nvPr/>
         </p:nvPicPr>
         <p:blipFill>
-          <a:blip r:embed="rId8">
+          <a:blip r:embed="rId8" cstate="hqprint">
             <a:extLst>
               <a:ext uri="{28A0092B-C50C-407E-A947-70E740481C1C}">
                 <a14:useLocalDpi xmlns:a14="http://schemas.microsoft.com/office/drawing/2010/main" val="0"/>
@@ -3925,7 +3930,7 @@
         </p:blipFill>
         <p:spPr bwMode="auto">
           <a:xfrm>
-            <a:off x="4626130" y="1895403"/>
+            <a:off x="4647751" y="1880944"/>
             <a:ext cx="738188" cy="909317"/>
           </a:xfrm>
           <a:prstGeom prst="rect">
@@ -3958,7 +3963,7 @@
           <p:nvPr/>
         </p:nvPicPr>
         <p:blipFill>
-          <a:blip r:embed="rId8">
+          <a:blip r:embed="rId9" cstate="hqprint">
             <a:extLst>
               <a:ext uri="{28A0092B-C50C-407E-A947-70E740481C1C}">
                 <a14:useLocalDpi xmlns:a14="http://schemas.microsoft.com/office/drawing/2010/main" val="0"/>
@@ -3992,78 +3997,20 @@
       </p:pic>
       <p:sp>
         <p:nvSpPr>
-          <p:cNvPr id="17" name="사각형: 둥근 모서리 16">
-            <a:extLst>
-              <a:ext uri="{FF2B5EF4-FFF2-40B4-BE49-F238E27FC236}">
-                <a16:creationId xmlns:a16="http://schemas.microsoft.com/office/drawing/2014/main" id="{AF3068FB-3E43-4978-B3BB-B87D9D8D306E}"/>
-              </a:ext>
-            </a:extLst>
-          </p:cNvPr>
-          <p:cNvSpPr/>
+          <p:cNvPr id="19" name="TextBox 18">
+            <a:extLst>
+              <a:ext uri="{FF2B5EF4-FFF2-40B4-BE49-F238E27FC236}">
+                <a16:creationId xmlns:a16="http://schemas.microsoft.com/office/drawing/2014/main" id="{6D49CE9E-E338-472E-B33D-7F67D1F2BBFE}"/>
+              </a:ext>
+            </a:extLst>
+          </p:cNvPr>
+          <p:cNvSpPr txBox="1"/>
           <p:nvPr/>
         </p:nvSpPr>
         <p:spPr>
           <a:xfrm>
-            <a:off x="6367244" y="2736907"/>
-            <a:ext cx="1417739" cy="914400"/>
-          </a:xfrm>
-          <a:prstGeom prst="roundRect">
-            <a:avLst/>
-          </a:prstGeom>
-        </p:spPr>
-        <p:style>
-          <a:lnRef idx="2">
-            <a:schemeClr val="accent1">
-              <a:shade val="50000"/>
-            </a:schemeClr>
-          </a:lnRef>
-          <a:fillRef idx="1">
-            <a:schemeClr val="accent1"/>
-          </a:fillRef>
-          <a:effectRef idx="0">
-            <a:schemeClr val="accent1"/>
-          </a:effectRef>
-          <a:fontRef idx="minor">
-            <a:schemeClr val="lt1"/>
-          </a:fontRef>
-        </p:style>
-        <p:txBody>
-          <a:bodyPr rtlCol="0" anchor="ctr"/>
-          <a:lstStyle/>
-          <a:p>
-            <a:pPr algn="ctr"/>
-            <a:r>
-              <a:rPr lang="en-US" altLang="ko-KR" dirty="0"/>
-              <a:t>?</a:t>
-            </a:r>
-            <a:r>
-              <a:rPr lang="ko-KR" altLang="en-US" dirty="0"/>
-              <a:t>유니티</a:t>
-            </a:r>
-            <a:r>
-              <a:rPr lang="en-US" altLang="ko-KR" dirty="0"/>
-              <a:t>?</a:t>
-            </a:r>
-            <a:endParaRPr lang="ko-KR" altLang="en-US" dirty="0"/>
-          </a:p>
-        </p:txBody>
-      </p:sp>
-      <p:sp>
-        <p:nvSpPr>
-          <p:cNvPr id="19" name="TextBox 18">
-            <a:extLst>
-              <a:ext uri="{FF2B5EF4-FFF2-40B4-BE49-F238E27FC236}">
-                <a16:creationId xmlns:a16="http://schemas.microsoft.com/office/drawing/2014/main" id="{6D49CE9E-E338-472E-B33D-7F67D1F2BBFE}"/>
-              </a:ext>
-            </a:extLst>
-          </p:cNvPr>
-          <p:cNvSpPr txBox="1"/>
-          <p:nvPr/>
-        </p:nvSpPr>
-        <p:spPr>
-          <a:xfrm>
-            <a:off x="6845417" y="2397155"/>
-            <a:ext cx="478016" cy="369332"/>
+            <a:off x="7051553" y="2665059"/>
+            <a:ext cx="497252" cy="369332"/>
           </a:xfrm>
           <a:prstGeom prst="rect">
             <a:avLst/>
@@ -4077,10 +4024,10 @@
           <a:lstStyle/>
           <a:p>
             <a:r>
-              <a:rPr lang="en-US" altLang="ko-KR" dirty="0"/>
+              <a:rPr lang="en-US" altLang="ko-KR" b="1" dirty="0"/>
               <a:t>AR</a:t>
             </a:r>
-            <a:endParaRPr lang="ko-KR" altLang="en-US" dirty="0"/>
+            <a:endParaRPr lang="ko-KR" altLang="en-US" b="1" dirty="0"/>
           </a:p>
         </p:txBody>
       </p:sp>
@@ -4139,7 +4086,7 @@
           <p:nvPr/>
         </p:nvPicPr>
         <p:blipFill>
-          <a:blip r:embed="rId9">
+          <a:blip r:embed="rId10" cstate="hqprint">
             <a:extLst>
               <a:ext uri="{28A0092B-C50C-407E-A947-70E740481C1C}">
                 <a14:useLocalDpi xmlns:a14="http://schemas.microsoft.com/office/drawing/2010/main" val="0"/>
@@ -4186,13 +4133,13 @@
           <p:nvPr/>
         </p:nvPicPr>
         <p:blipFill>
-          <a:blip r:embed="rId10">
+          <a:blip r:embed="rId11" cstate="hqprint">
             <a:extLst>
               <a:ext uri="{28A0092B-C50C-407E-A947-70E740481C1C}">
                 <a14:useLocalDpi xmlns:a14="http://schemas.microsoft.com/office/drawing/2010/main" val="0"/>
               </a:ext>
               <a:ext uri="{96DAC541-7B7A-43D3-8B79-37D633B846F1}">
-                <asvg:svgBlip xmlns:asvg="http://schemas.microsoft.com/office/drawing/2016/SVG/main" r:embed="rId11"/>
+                <asvg:svgBlip xmlns:asvg="http://schemas.microsoft.com/office/drawing/2016/SVG/main" xmlns="" r:embed="rId12"/>
               </a:ext>
             </a:extLst>
           </a:blip>
@@ -4208,6 +4155,53 @@
           <a:prstGeom prst="rect">
             <a:avLst/>
           </a:prstGeom>
+        </p:spPr>
+      </p:pic>
+      <p:pic>
+        <p:nvPicPr>
+          <p:cNvPr id="23" name="Picture 6" descr="opencvì ëí ì´ë¯¸ì§ ê²ìê²°ê³¼">
+            <a:extLst>
+              <a:ext uri="{FF2B5EF4-FFF2-40B4-BE49-F238E27FC236}">
+                <a16:creationId xmlns:a16="http://schemas.microsoft.com/office/drawing/2014/main" id="{9D9E0941-9D5C-4D22-A718-45C46D8A9717}"/>
+              </a:ext>
+            </a:extLst>
+          </p:cNvPr>
+          <p:cNvPicPr>
+            <a:picLocks noChangeAspect="1" noChangeArrowheads="1"/>
+          </p:cNvPicPr>
+          <p:nvPr/>
+        </p:nvPicPr>
+        <p:blipFill>
+          <a:blip r:embed="rId13" cstate="hqprint">
+            <a:extLst>
+              <a:ext uri="{28A0092B-C50C-407E-A947-70E740481C1C}">
+                <a14:useLocalDpi xmlns:a14="http://schemas.microsoft.com/office/drawing/2010/main" val="0"/>
+              </a:ext>
+            </a:extLst>
+          </a:blip>
+          <a:srcRect/>
+          <a:stretch>
+            <a:fillRect/>
+          </a:stretch>
+        </p:blipFill>
+        <p:spPr bwMode="auto">
+          <a:xfrm>
+            <a:off x="6724869" y="2645857"/>
+            <a:ext cx="346620" cy="426974"/>
+          </a:xfrm>
+          <a:prstGeom prst="rect">
+            <a:avLst/>
+          </a:prstGeom>
+          <a:noFill/>
+          <a:extLst>
+            <a:ext uri="{909E8E84-426E-40DD-AFC4-6F175D3DCCD1}">
+              <a14:hiddenFill xmlns:a14="http://schemas.microsoft.com/office/drawing/2010/main">
+                <a:solidFill>
+                  <a:srgbClr val="FFFFFF"/>
+                </a:solidFill>
+              </a14:hiddenFill>
+            </a:ext>
+          </a:extLst>
         </p:spPr>
       </p:pic>
     </p:spTree>
